--- a/Slides/XamarinSlides.pptx
+++ b/Slides/XamarinSlides.pptx
@@ -218,7 +218,7 @@
           <a:p>
             <a:fld id="{A334C884-B1D7-A043-A4AA-521744755A4B}" type="datetimeFigureOut">
               <a:rPr lang="en-US" smtClean="0"/>
-              <a:t>10/26/2016</a:t>
+              <a:t>11/10/2016</a:t>
             </a:fld>
             <a:endParaRPr lang="en-US"/>
           </a:p>
@@ -6194,7 +6194,7 @@
                 <a:sym typeface="Segoe UI"/>
               </a:rPr>
               <a:pPr defTabSz="412750"/>
-              <a:t>26-10-2016</a:t>
+              <a:t>10-11-2016</a:t>
             </a:fld>
             <a:endParaRPr lang="nl-NL" sz="2250" b="1" kern="0">
               <a:solidFill>
@@ -7881,7 +7881,7 @@
           <a:p>
             <a:fld id="{48E095B3-AD7F-4673-9546-FB4E99B8D09D}" type="datetimeFigureOut">
               <a:rPr lang="en-US" smtClean="0"/>
-              <a:t>10/26/2016</a:t>
+              <a:t>11/10/2016</a:t>
             </a:fld>
             <a:endParaRPr lang="en-US"/>
           </a:p>
@@ -8100,7 +8100,7 @@
           <a:p>
             <a:fld id="{48E095B3-AD7F-4673-9546-FB4E99B8D09D}" type="datetimeFigureOut">
               <a:rPr lang="en-US" smtClean="0"/>
-              <a:t>10/26/2016</a:t>
+              <a:t>11/10/2016</a:t>
             </a:fld>
             <a:endParaRPr lang="en-US"/>
           </a:p>
@@ -8453,7 +8453,7 @@
           <a:p>
             <a:fld id="{48E095B3-AD7F-4673-9546-FB4E99B8D09D}" type="datetimeFigureOut">
               <a:rPr lang="en-US" smtClean="0"/>
-              <a:t>10/26/2016</a:t>
+              <a:t>11/10/2016</a:t>
             </a:fld>
             <a:endParaRPr lang="en-US"/>
           </a:p>
@@ -8735,7 +8735,7 @@
           <a:p>
             <a:fld id="{48E095B3-AD7F-4673-9546-FB4E99B8D09D}" type="datetimeFigureOut">
               <a:rPr lang="en-US" smtClean="0"/>
-              <a:t>10/26/2016</a:t>
+              <a:t>11/10/2016</a:t>
             </a:fld>
             <a:endParaRPr lang="en-US"/>
           </a:p>
@@ -9245,7 +9245,7 @@
           <a:p>
             <a:fld id="{48E095B3-AD7F-4673-9546-FB4E99B8D09D}" type="datetimeFigureOut">
               <a:rPr lang="en-US" smtClean="0"/>
-              <a:t>10/26/2016</a:t>
+              <a:t>11/10/2016</a:t>
             </a:fld>
             <a:endParaRPr lang="en-US"/>
           </a:p>
@@ -9370,7 +9370,7 @@
           <a:p>
             <a:fld id="{48E095B3-AD7F-4673-9546-FB4E99B8D09D}" type="datetimeFigureOut">
               <a:rPr lang="en-US" smtClean="0"/>
-              <a:t>10/26/2016</a:t>
+              <a:t>11/10/2016</a:t>
             </a:fld>
             <a:endParaRPr lang="en-US"/>
           </a:p>
@@ -9551,7 +9551,7 @@
           <a:p>
             <a:fld id="{48E095B3-AD7F-4673-9546-FB4E99B8D09D}" type="datetimeFigureOut">
               <a:rPr lang="en-US" smtClean="0"/>
-              <a:t>10/26/2016</a:t>
+              <a:t>11/10/2016</a:t>
             </a:fld>
             <a:endParaRPr lang="en-US"/>
           </a:p>
@@ -9915,7 +9915,7 @@
           <a:p>
             <a:fld id="{48E095B3-AD7F-4673-9546-FB4E99B8D09D}" type="datetimeFigureOut">
               <a:rPr lang="en-US" smtClean="0"/>
-              <a:t>10/26/2016</a:t>
+              <a:t>11/10/2016</a:t>
             </a:fld>
             <a:endParaRPr lang="en-US"/>
           </a:p>
@@ -10304,7 +10304,7 @@
           <a:p>
             <a:fld id="{48E095B3-AD7F-4673-9546-FB4E99B8D09D}" type="datetimeFigureOut">
               <a:rPr lang="en-US" smtClean="0"/>
-              <a:t>10/26/2016</a:t>
+              <a:t>11/10/2016</a:t>
             </a:fld>
             <a:endParaRPr lang="en-US"/>
           </a:p>
@@ -10481,7 +10481,7 @@
           <a:p>
             <a:fld id="{48E095B3-AD7F-4673-9546-FB4E99B8D09D}" type="datetimeFigureOut">
               <a:rPr lang="en-US" smtClean="0"/>
-              <a:t>10/26/2016</a:t>
+              <a:t>11/10/2016</a:t>
             </a:fld>
             <a:endParaRPr lang="en-US"/>
           </a:p>
@@ -10744,7 +10744,7 @@
           <a:p>
             <a:fld id="{48E095B3-AD7F-4673-9546-FB4E99B8D09D}" type="datetimeFigureOut">
               <a:rPr lang="en-US" smtClean="0"/>
-              <a:t>10/26/2016</a:t>
+              <a:t>11/10/2016</a:t>
             </a:fld>
             <a:endParaRPr lang="en-US"/>
           </a:p>
@@ -13157,7 +13157,7 @@
           <a:p>
             <a:fld id="{98624D31-43A5-475A-80CF-332C9F6DCF35}" type="datetimeFigureOut">
               <a:rPr lang="en-US" dirty="0"/>
-              <a:t>10/26/2016</a:t>
+              <a:t>11/10/2016</a:t>
             </a:fld>
             <a:endParaRPr lang="en-US" dirty="0"/>
           </a:p>
@@ -13852,8 +13852,17 @@
               <a:rPr lang="en-US" sz="1600" dirty="0">
                 <a:hlinkClick r:id="rId3"/>
               </a:rPr>
-              <a:t>https://github.com/amccorma</a:t>
-            </a:r>
+              <a:t>https://</a:t>
+            </a:r>
+            <a:r>
+              <a:rPr lang="en-US" sz="1600" dirty="0" smtClean="0">
+                <a:hlinkClick r:id="rId3"/>
+              </a:rPr>
+              <a:t>github.com/amccorma/CodeCamp16</a:t>
+            </a:r>
+            <a:endParaRPr lang="en-US" sz="1600" dirty="0" smtClean="0"/>
+          </a:p>
+          <a:p>
             <a:endParaRPr lang="en-US" sz="1600" dirty="0"/>
           </a:p>
         </p:txBody>
